--- a/Week 2/Workshop/Workshop_2.pptx
+++ b/Week 2/Workshop/Workshop_2.pptx
@@ -18,9 +18,10 @@
     <p:sldId id="270" r:id="rId12"/>
     <p:sldId id="281" r:id="rId13"/>
     <p:sldId id="282" r:id="rId14"/>
-    <p:sldId id="283" r:id="rId15"/>
-    <p:sldId id="284" r:id="rId16"/>
-    <p:sldId id="285" r:id="rId17"/>
+    <p:sldId id="286" r:id="rId15"/>
+    <p:sldId id="283" r:id="rId16"/>
+    <p:sldId id="284" r:id="rId17"/>
+    <p:sldId id="285" r:id="rId18"/>
   </p:sldIdLst>
   <p:sldSz cx="12192000" cy="6858000"/>
   <p:notesSz cx="6858000" cy="9144000"/>
@@ -9375,7 +9376,7 @@
           <a:p>
             <a:fld id="{F90ECFBA-4B84-42B8-834C-7DB45512554A}" type="datetimeFigureOut">
               <a:rPr lang="en-GB" smtClean="0"/>
-              <a:t>23/01/2023</a:t>
+              <a:t>02/02/2023</a:t>
             </a:fld>
             <a:endParaRPr lang="en-GB"/>
           </a:p>
@@ -9575,7 +9576,7 @@
           <a:p>
             <a:fld id="{F90ECFBA-4B84-42B8-834C-7DB45512554A}" type="datetimeFigureOut">
               <a:rPr lang="en-GB" smtClean="0"/>
-              <a:t>23/01/2023</a:t>
+              <a:t>02/02/2023</a:t>
             </a:fld>
             <a:endParaRPr lang="en-GB"/>
           </a:p>
@@ -9785,7 +9786,7 @@
           <a:p>
             <a:fld id="{F90ECFBA-4B84-42B8-834C-7DB45512554A}" type="datetimeFigureOut">
               <a:rPr lang="en-GB" smtClean="0"/>
-              <a:t>23/01/2023</a:t>
+              <a:t>02/02/2023</a:t>
             </a:fld>
             <a:endParaRPr lang="en-GB"/>
           </a:p>
@@ -9985,7 +9986,7 @@
           <a:p>
             <a:fld id="{F90ECFBA-4B84-42B8-834C-7DB45512554A}" type="datetimeFigureOut">
               <a:rPr lang="en-GB" smtClean="0"/>
-              <a:t>23/01/2023</a:t>
+              <a:t>02/02/2023</a:t>
             </a:fld>
             <a:endParaRPr lang="en-GB"/>
           </a:p>
@@ -10261,7 +10262,7 @@
           <a:p>
             <a:fld id="{F90ECFBA-4B84-42B8-834C-7DB45512554A}" type="datetimeFigureOut">
               <a:rPr lang="en-GB" smtClean="0"/>
-              <a:t>23/01/2023</a:t>
+              <a:t>02/02/2023</a:t>
             </a:fld>
             <a:endParaRPr lang="en-GB"/>
           </a:p>
@@ -10529,7 +10530,7 @@
           <a:p>
             <a:fld id="{F90ECFBA-4B84-42B8-834C-7DB45512554A}" type="datetimeFigureOut">
               <a:rPr lang="en-GB" smtClean="0"/>
-              <a:t>23/01/2023</a:t>
+              <a:t>02/02/2023</a:t>
             </a:fld>
             <a:endParaRPr lang="en-GB"/>
           </a:p>
@@ -10944,7 +10945,7 @@
           <a:p>
             <a:fld id="{F90ECFBA-4B84-42B8-834C-7DB45512554A}" type="datetimeFigureOut">
               <a:rPr lang="en-GB" smtClean="0"/>
-              <a:t>23/01/2023</a:t>
+              <a:t>02/02/2023</a:t>
             </a:fld>
             <a:endParaRPr lang="en-GB"/>
           </a:p>
@@ -11086,7 +11087,7 @@
           <a:p>
             <a:fld id="{F90ECFBA-4B84-42B8-834C-7DB45512554A}" type="datetimeFigureOut">
               <a:rPr lang="en-GB" smtClean="0"/>
-              <a:t>23/01/2023</a:t>
+              <a:t>02/02/2023</a:t>
             </a:fld>
             <a:endParaRPr lang="en-GB"/>
           </a:p>
@@ -11199,7 +11200,7 @@
           <a:p>
             <a:fld id="{F90ECFBA-4B84-42B8-834C-7DB45512554A}" type="datetimeFigureOut">
               <a:rPr lang="en-GB" smtClean="0"/>
-              <a:t>23/01/2023</a:t>
+              <a:t>02/02/2023</a:t>
             </a:fld>
             <a:endParaRPr lang="en-GB"/>
           </a:p>
@@ -11512,7 +11513,7 @@
           <a:p>
             <a:fld id="{F90ECFBA-4B84-42B8-834C-7DB45512554A}" type="datetimeFigureOut">
               <a:rPr lang="en-GB" smtClean="0"/>
-              <a:t>23/01/2023</a:t>
+              <a:t>02/02/2023</a:t>
             </a:fld>
             <a:endParaRPr lang="en-GB"/>
           </a:p>
@@ -11801,7 +11802,7 @@
           <a:p>
             <a:fld id="{F90ECFBA-4B84-42B8-834C-7DB45512554A}" type="datetimeFigureOut">
               <a:rPr lang="en-GB" smtClean="0"/>
-              <a:t>23/01/2023</a:t>
+              <a:t>02/02/2023</a:t>
             </a:fld>
             <a:endParaRPr lang="en-GB"/>
           </a:p>
@@ -12044,7 +12045,7 @@
           <a:p>
             <a:fld id="{F90ECFBA-4B84-42B8-834C-7DB45512554A}" type="datetimeFigureOut">
               <a:rPr lang="en-GB" smtClean="0"/>
-              <a:t>23/01/2023</a:t>
+              <a:t>02/02/2023</a:t>
             </a:fld>
             <a:endParaRPr lang="en-GB"/>
           </a:p>
@@ -14602,6 +14603,90 @@
           <p:cNvPr id="2" name="Title 1">
             <a:extLst>
               <a:ext uri="{FF2B5EF4-FFF2-40B4-BE49-F238E27FC236}">
+                <a16:creationId xmlns:a16="http://schemas.microsoft.com/office/drawing/2014/main" id="{5047DC13-6103-496A-4C83-0339BEDF6709}"/>
+              </a:ext>
+            </a:extLst>
+          </p:cNvPr>
+          <p:cNvSpPr>
+            <a:spLocks noGrp="1"/>
+          </p:cNvSpPr>
+          <p:nvPr>
+            <p:ph type="title"/>
+          </p:nvPr>
+        </p:nvSpPr>
+        <p:spPr/>
+        <p:txBody>
+          <a:bodyPr/>
+          <a:lstStyle/>
+          <a:p>
+            <a:r>
+              <a:rPr lang="en-US"/>
+              <a:t>Session 2</a:t>
+            </a:r>
+            <a:endParaRPr lang="en-GB"/>
+          </a:p>
+        </p:txBody>
+      </p:sp>
+      <p:sp>
+        <p:nvSpPr>
+          <p:cNvPr id="3" name="Content Placeholder 2">
+            <a:extLst>
+              <a:ext uri="{FF2B5EF4-FFF2-40B4-BE49-F238E27FC236}">
+                <a16:creationId xmlns:a16="http://schemas.microsoft.com/office/drawing/2014/main" id="{C3DB6308-9932-B591-B2D0-01AA815CC7E7}"/>
+              </a:ext>
+            </a:extLst>
+          </p:cNvPr>
+          <p:cNvSpPr>
+            <a:spLocks noGrp="1"/>
+          </p:cNvSpPr>
+          <p:nvPr>
+            <p:ph idx="1"/>
+          </p:nvPr>
+        </p:nvSpPr>
+        <p:spPr/>
+        <p:txBody>
+          <a:bodyPr/>
+          <a:lstStyle/>
+          <a:p>
+            <a:endParaRPr lang="en-GB"/>
+          </a:p>
+        </p:txBody>
+      </p:sp>
+    </p:spTree>
+    <p:extLst>
+      <p:ext uri="{BB962C8B-B14F-4D97-AF65-F5344CB8AC3E}">
+        <p14:creationId xmlns:p14="http://schemas.microsoft.com/office/powerpoint/2010/main" val="3424331582"/>
+      </p:ext>
+    </p:extLst>
+  </p:cSld>
+  <p:clrMapOvr>
+    <a:masterClrMapping/>
+  </p:clrMapOvr>
+</p:sld>
+</file>
+
+<file path=ppt/slides/slide15.xml><?xml version="1.0" encoding="utf-8"?>
+<p:sld xmlns:a="http://schemas.openxmlformats.org/drawingml/2006/main" xmlns:r="http://schemas.openxmlformats.org/officeDocument/2006/relationships" xmlns:p="http://schemas.openxmlformats.org/presentationml/2006/main">
+  <p:cSld>
+    <p:spTree>
+      <p:nvGrpSpPr>
+        <p:cNvPr id="1" name=""/>
+        <p:cNvGrpSpPr/>
+        <p:nvPr/>
+      </p:nvGrpSpPr>
+      <p:grpSpPr>
+        <a:xfrm>
+          <a:off x="0" y="0"/>
+          <a:ext cx="0" cy="0"/>
+          <a:chOff x="0" y="0"/>
+          <a:chExt cx="0" cy="0"/>
+        </a:xfrm>
+      </p:grpSpPr>
+      <p:sp>
+        <p:nvSpPr>
+          <p:cNvPr id="2" name="Title 1">
+            <a:extLst>
+              <a:ext uri="{FF2B5EF4-FFF2-40B4-BE49-F238E27FC236}">
                 <a16:creationId xmlns:a16="http://schemas.microsoft.com/office/drawing/2014/main" id="{D6FC6B05-293E-6581-31CF-CCF0A627B5BA}"/>
               </a:ext>
             </a:extLst>
@@ -14690,7 +14775,7 @@
 </p:sld>
 </file>
 
-<file path=ppt/slides/slide15.xml><?xml version="1.0" encoding="utf-8"?>
+<file path=ppt/slides/slide16.xml><?xml version="1.0" encoding="utf-8"?>
 <p:sld xmlns:a="http://schemas.openxmlformats.org/drawingml/2006/main" xmlns:r="http://schemas.openxmlformats.org/officeDocument/2006/relationships" xmlns:p="http://schemas.openxmlformats.org/presentationml/2006/main">
   <p:cSld>
     <p:bg>
@@ -16175,7 +16260,7 @@
 </p:sld>
 </file>
 
-<file path=ppt/slides/slide16.xml><?xml version="1.0" encoding="utf-8"?>
+<file path=ppt/slides/slide17.xml><?xml version="1.0" encoding="utf-8"?>
 <p:sld xmlns:a="http://schemas.openxmlformats.org/drawingml/2006/main" xmlns:r="http://schemas.openxmlformats.org/officeDocument/2006/relationships" xmlns:p="http://schemas.openxmlformats.org/presentationml/2006/main">
   <p:cSld>
     <p:spTree>

--- a/Week 2/Workshop/Workshop_2.pptx
+++ b/Week 2/Workshop/Workshop_2.pptx
@@ -19,9 +19,8 @@
     <p:sldId id="281" r:id="rId13"/>
     <p:sldId id="282" r:id="rId14"/>
     <p:sldId id="286" r:id="rId15"/>
-    <p:sldId id="283" r:id="rId16"/>
-    <p:sldId id="284" r:id="rId17"/>
-    <p:sldId id="285" r:id="rId18"/>
+    <p:sldId id="284" r:id="rId16"/>
+    <p:sldId id="285" r:id="rId17"/>
   </p:sldIdLst>
   <p:sldSz cx="12192000" cy="6858000"/>
   <p:notesSz cx="6858000" cy="9144000"/>
@@ -9376,7 +9375,7 @@
           <a:p>
             <a:fld id="{F90ECFBA-4B84-42B8-834C-7DB45512554A}" type="datetimeFigureOut">
               <a:rPr lang="en-GB" smtClean="0"/>
-              <a:t>02/02/2023</a:t>
+              <a:t>03/02/2023</a:t>
             </a:fld>
             <a:endParaRPr lang="en-GB"/>
           </a:p>
@@ -9576,7 +9575,7 @@
           <a:p>
             <a:fld id="{F90ECFBA-4B84-42B8-834C-7DB45512554A}" type="datetimeFigureOut">
               <a:rPr lang="en-GB" smtClean="0"/>
-              <a:t>02/02/2023</a:t>
+              <a:t>03/02/2023</a:t>
             </a:fld>
             <a:endParaRPr lang="en-GB"/>
           </a:p>
@@ -9786,7 +9785,7 @@
           <a:p>
             <a:fld id="{F90ECFBA-4B84-42B8-834C-7DB45512554A}" type="datetimeFigureOut">
               <a:rPr lang="en-GB" smtClean="0"/>
-              <a:t>02/02/2023</a:t>
+              <a:t>03/02/2023</a:t>
             </a:fld>
             <a:endParaRPr lang="en-GB"/>
           </a:p>
@@ -9986,7 +9985,7 @@
           <a:p>
             <a:fld id="{F90ECFBA-4B84-42B8-834C-7DB45512554A}" type="datetimeFigureOut">
               <a:rPr lang="en-GB" smtClean="0"/>
-              <a:t>02/02/2023</a:t>
+              <a:t>03/02/2023</a:t>
             </a:fld>
             <a:endParaRPr lang="en-GB"/>
           </a:p>
@@ -10262,7 +10261,7 @@
           <a:p>
             <a:fld id="{F90ECFBA-4B84-42B8-834C-7DB45512554A}" type="datetimeFigureOut">
               <a:rPr lang="en-GB" smtClean="0"/>
-              <a:t>02/02/2023</a:t>
+              <a:t>03/02/2023</a:t>
             </a:fld>
             <a:endParaRPr lang="en-GB"/>
           </a:p>
@@ -10530,7 +10529,7 @@
           <a:p>
             <a:fld id="{F90ECFBA-4B84-42B8-834C-7DB45512554A}" type="datetimeFigureOut">
               <a:rPr lang="en-GB" smtClean="0"/>
-              <a:t>02/02/2023</a:t>
+              <a:t>03/02/2023</a:t>
             </a:fld>
             <a:endParaRPr lang="en-GB"/>
           </a:p>
@@ -10945,7 +10944,7 @@
           <a:p>
             <a:fld id="{F90ECFBA-4B84-42B8-834C-7DB45512554A}" type="datetimeFigureOut">
               <a:rPr lang="en-GB" smtClean="0"/>
-              <a:t>02/02/2023</a:t>
+              <a:t>03/02/2023</a:t>
             </a:fld>
             <a:endParaRPr lang="en-GB"/>
           </a:p>
@@ -11087,7 +11086,7 @@
           <a:p>
             <a:fld id="{F90ECFBA-4B84-42B8-834C-7DB45512554A}" type="datetimeFigureOut">
               <a:rPr lang="en-GB" smtClean="0"/>
-              <a:t>02/02/2023</a:t>
+              <a:t>03/02/2023</a:t>
             </a:fld>
             <a:endParaRPr lang="en-GB"/>
           </a:p>
@@ -11200,7 +11199,7 @@
           <a:p>
             <a:fld id="{F90ECFBA-4B84-42B8-834C-7DB45512554A}" type="datetimeFigureOut">
               <a:rPr lang="en-GB" smtClean="0"/>
-              <a:t>02/02/2023</a:t>
+              <a:t>03/02/2023</a:t>
             </a:fld>
             <a:endParaRPr lang="en-GB"/>
           </a:p>
@@ -11513,7 +11512,7 @@
           <a:p>
             <a:fld id="{F90ECFBA-4B84-42B8-834C-7DB45512554A}" type="datetimeFigureOut">
               <a:rPr lang="en-GB" smtClean="0"/>
-              <a:t>02/02/2023</a:t>
+              <a:t>03/02/2023</a:t>
             </a:fld>
             <a:endParaRPr lang="en-GB"/>
           </a:p>
@@ -11802,7 +11801,7 @@
           <a:p>
             <a:fld id="{F90ECFBA-4B84-42B8-834C-7DB45512554A}" type="datetimeFigureOut">
               <a:rPr lang="en-GB" smtClean="0"/>
-              <a:t>02/02/2023</a:t>
+              <a:t>03/02/2023</a:t>
             </a:fld>
             <a:endParaRPr lang="en-GB"/>
           </a:p>
@@ -12045,7 +12044,7 @@
           <a:p>
             <a:fld id="{F90ECFBA-4B84-42B8-834C-7DB45512554A}" type="datetimeFigureOut">
               <a:rPr lang="en-GB" smtClean="0"/>
-              <a:t>02/02/2023</a:t>
+              <a:t>03/02/2023</a:t>
             </a:fld>
             <a:endParaRPr lang="en-GB"/>
           </a:p>
@@ -14666,116 +14665,6 @@
 </file>
 
 <file path=ppt/slides/slide15.xml><?xml version="1.0" encoding="utf-8"?>
-<p:sld xmlns:a="http://schemas.openxmlformats.org/drawingml/2006/main" xmlns:r="http://schemas.openxmlformats.org/officeDocument/2006/relationships" xmlns:p="http://schemas.openxmlformats.org/presentationml/2006/main">
-  <p:cSld>
-    <p:spTree>
-      <p:nvGrpSpPr>
-        <p:cNvPr id="1" name=""/>
-        <p:cNvGrpSpPr/>
-        <p:nvPr/>
-      </p:nvGrpSpPr>
-      <p:grpSpPr>
-        <a:xfrm>
-          <a:off x="0" y="0"/>
-          <a:ext cx="0" cy="0"/>
-          <a:chOff x="0" y="0"/>
-          <a:chExt cx="0" cy="0"/>
-        </a:xfrm>
-      </p:grpSpPr>
-      <p:sp>
-        <p:nvSpPr>
-          <p:cNvPr id="2" name="Title 1">
-            <a:extLst>
-              <a:ext uri="{FF2B5EF4-FFF2-40B4-BE49-F238E27FC236}">
-                <a16:creationId xmlns:a16="http://schemas.microsoft.com/office/drawing/2014/main" id="{D6FC6B05-293E-6581-31CF-CCF0A627B5BA}"/>
-              </a:ext>
-            </a:extLst>
-          </p:cNvPr>
-          <p:cNvSpPr>
-            <a:spLocks noGrp="1"/>
-          </p:cNvSpPr>
-          <p:nvPr>
-            <p:ph type="title"/>
-          </p:nvPr>
-        </p:nvSpPr>
-        <p:spPr/>
-        <p:txBody>
-          <a:bodyPr/>
-          <a:lstStyle/>
-          <a:p>
-            <a:r>
-              <a:rPr lang="en-US" dirty="0" err="1"/>
-              <a:t>Minimising</a:t>
-            </a:r>
-            <a:r>
-              <a:rPr lang="en-US" dirty="0"/>
-              <a:t> Incorrect Decisions using Psychometrics</a:t>
-            </a:r>
-            <a:endParaRPr lang="en-GB" dirty="0"/>
-          </a:p>
-        </p:txBody>
-      </p:sp>
-      <p:sp>
-        <p:nvSpPr>
-          <p:cNvPr id="3" name="Content Placeholder 2">
-            <a:extLst>
-              <a:ext uri="{FF2B5EF4-FFF2-40B4-BE49-F238E27FC236}">
-                <a16:creationId xmlns:a16="http://schemas.microsoft.com/office/drawing/2014/main" id="{744A7AC9-603D-5A99-FE1D-813C8BE29D1E}"/>
-              </a:ext>
-            </a:extLst>
-          </p:cNvPr>
-          <p:cNvSpPr>
-            <a:spLocks noGrp="1"/>
-          </p:cNvSpPr>
-          <p:nvPr>
-            <p:ph idx="1"/>
-          </p:nvPr>
-        </p:nvSpPr>
-        <p:spPr/>
-        <p:txBody>
-          <a:bodyPr/>
-          <a:lstStyle/>
-          <a:p>
-            <a:r>
-              <a:rPr lang="en-US" dirty="0"/>
-              <a:t>Valid</a:t>
-            </a:r>
-          </a:p>
-          <a:p>
-            <a:r>
-              <a:rPr lang="en-US" dirty="0"/>
-              <a:t>Reliable</a:t>
-            </a:r>
-          </a:p>
-          <a:p>
-            <a:r>
-              <a:rPr lang="en-US" dirty="0"/>
-              <a:t>Have Utility</a:t>
-            </a:r>
-          </a:p>
-          <a:p>
-            <a:r>
-              <a:rPr lang="en-US" dirty="0"/>
-              <a:t>Used as a single source of information</a:t>
-            </a:r>
-            <a:endParaRPr lang="en-GB" dirty="0"/>
-          </a:p>
-        </p:txBody>
-      </p:sp>
-    </p:spTree>
-    <p:extLst>
-      <p:ext uri="{BB962C8B-B14F-4D97-AF65-F5344CB8AC3E}">
-        <p14:creationId xmlns:p14="http://schemas.microsoft.com/office/powerpoint/2010/main" val="1701972496"/>
-      </p:ext>
-    </p:extLst>
-  </p:cSld>
-  <p:clrMapOvr>
-    <a:masterClrMapping/>
-  </p:clrMapOvr>
-</p:sld>
-</file>
-
-<file path=ppt/slides/slide16.xml><?xml version="1.0" encoding="utf-8"?>
 <p:sld xmlns:a="http://schemas.openxmlformats.org/drawingml/2006/main" xmlns:r="http://schemas.openxmlformats.org/officeDocument/2006/relationships" xmlns:p="http://schemas.openxmlformats.org/presentationml/2006/main">
   <p:cSld>
     <p:bg>
@@ -16260,7 +16149,7 @@
 </p:sld>
 </file>
 
-<file path=ppt/slides/slide17.xml><?xml version="1.0" encoding="utf-8"?>
+<file path=ppt/slides/slide16.xml><?xml version="1.0" encoding="utf-8"?>
 <p:sld xmlns:a="http://schemas.openxmlformats.org/drawingml/2006/main" xmlns:r="http://schemas.openxmlformats.org/officeDocument/2006/relationships" xmlns:p="http://schemas.openxmlformats.org/presentationml/2006/main">
   <p:cSld>
     <p:spTree>
